--- a/Documentation/Final/Final.Presentation.pptx
+++ b/Documentation/Final/Final.Presentation.pptx
@@ -11,8 +11,8 @@
   <p:sldIdLst>
     <p:sldId id="256" r:id="rId3"/>
     <p:sldId id="258" r:id="rId4"/>
-    <p:sldId id="263" r:id="rId5"/>
-    <p:sldId id="260" r:id="rId6"/>
+    <p:sldId id="260" r:id="rId5"/>
+    <p:sldId id="263" r:id="rId6"/>
     <p:sldId id="274" r:id="rId7"/>
     <p:sldId id="273" r:id="rId8"/>
     <p:sldId id="262" r:id="rId9"/>
@@ -28,14 +28,14 @@
   <p:notesSz cx="6858000" cy="9144000"/>
   <p:embeddedFontLst>
     <p:embeddedFont>
-      <p:font typeface="Montserrat" panose="020B0604020202020204" charset="0"/>
+      <p:font typeface="Nunito Sans" panose="020B0604020202020204" charset="0"/>
       <p:regular r:id="rId18"/>
       <p:bold r:id="rId19"/>
       <p:italic r:id="rId20"/>
       <p:boldItalic r:id="rId21"/>
     </p:embeddedFont>
     <p:embeddedFont>
-      <p:font typeface="Nunito Sans" panose="020B0604020202020204" charset="0"/>
+      <p:font typeface="Montserrat" panose="020B0604020202020204" charset="0"/>
       <p:regular r:id="rId22"/>
       <p:bold r:id="rId23"/>
       <p:italic r:id="rId24"/>
@@ -1523,6 +1523,115 @@
   <p:cSld>
     <p:spTree>
       <p:nvGrpSpPr>
+        <p:cNvPr id="1" name="Shape 217"/>
+        <p:cNvGrpSpPr/>
+        <p:nvPr/>
+      </p:nvGrpSpPr>
+      <p:grpSpPr>
+        <a:xfrm>
+          <a:off x="0" y="0"/>
+          <a:ext cx="0" cy="0"/>
+          <a:chOff x="0" y="0"/>
+          <a:chExt cx="0" cy="0"/>
+        </a:xfrm>
+      </p:grpSpPr>
+      <p:sp>
+        <p:nvSpPr>
+          <p:cNvPr id="218" name="Google Shape;218;g292a9bb486b_1_130:notes"/>
+          <p:cNvSpPr txBox="1">
+            <a:spLocks noGrp="1"/>
+          </p:cNvSpPr>
+          <p:nvPr>
+            <p:ph type="body" idx="1"/>
+          </p:nvPr>
+        </p:nvSpPr>
+        <p:spPr>
+          <a:xfrm>
+            <a:off x="685800" y="4343400"/>
+            <a:ext cx="5486400" cy="4114800"/>
+          </a:xfrm>
+          <a:prstGeom prst="rect">
+            <a:avLst/>
+          </a:prstGeom>
+        </p:spPr>
+        <p:txBody>
+          <a:bodyPr spcFirstLastPara="1" wrap="square" lIns="91425" tIns="91425" rIns="91425" bIns="91425" anchor="t" anchorCtr="0">
+            <a:noAutofit/>
+          </a:bodyPr>
+          <a:lstStyle/>
+          <a:p>
+            <a:pPr marL="0" lvl="0" indent="0" algn="l" rtl="0">
+              <a:spcBef>
+                <a:spcPts val="0"/>
+              </a:spcBef>
+              <a:spcAft>
+                <a:spcPts val="0"/>
+              </a:spcAft>
+              <a:buNone/>
+            </a:pPr>
+            <a:endParaRPr/>
+          </a:p>
+        </p:txBody>
+      </p:sp>
+      <p:sp>
+        <p:nvSpPr>
+          <p:cNvPr id="219" name="Google Shape;219;g292a9bb486b_1_130:notes"/>
+          <p:cNvSpPr>
+            <a:spLocks noGrp="1" noRot="1" noChangeAspect="1"/>
+          </p:cNvSpPr>
+          <p:nvPr>
+            <p:ph type="sldImg" idx="2"/>
+          </p:nvPr>
+        </p:nvSpPr>
+        <p:spPr>
+          <a:xfrm>
+            <a:off x="381000" y="685800"/>
+            <a:ext cx="6096000" cy="3429000"/>
+          </a:xfrm>
+          <a:custGeom>
+            <a:avLst/>
+            <a:gdLst/>
+            <a:ahLst/>
+            <a:cxnLst/>
+            <a:rect l="l" t="t" r="r" b="b"/>
+            <a:pathLst>
+              <a:path w="120000" h="120000" extrusionOk="0">
+                <a:moveTo>
+                  <a:pt x="0" y="0"/>
+                </a:moveTo>
+                <a:lnTo>
+                  <a:pt x="120000" y="0"/>
+                </a:lnTo>
+                <a:lnTo>
+                  <a:pt x="120000" y="120000"/>
+                </a:lnTo>
+                <a:lnTo>
+                  <a:pt x="0" y="120000"/>
+                </a:lnTo>
+                <a:close/>
+              </a:path>
+            </a:pathLst>
+          </a:custGeom>
+        </p:spPr>
+      </p:sp>
+    </p:spTree>
+    <p:extLst>
+      <p:ext uri="{BB962C8B-B14F-4D97-AF65-F5344CB8AC3E}">
+        <p14:creationId xmlns:p14="http://schemas.microsoft.com/office/powerpoint/2010/main" val="983246796"/>
+      </p:ext>
+    </p:extLst>
+  </p:cSld>
+  <p:clrMapOvr>
+    <a:masterClrMapping/>
+  </p:clrMapOvr>
+</p:notes>
+</file>
+
+<file path=ppt/notesSlides/notesSlide4.xml><?xml version="1.0" encoding="utf-8"?>
+<p:notes xmlns:a="http://schemas.openxmlformats.org/drawingml/2006/main" xmlns:r="http://schemas.openxmlformats.org/officeDocument/2006/relationships" xmlns:p="http://schemas.openxmlformats.org/presentationml/2006/main" showMasterSp="0" showMasterPhAnim="0">
+  <p:cSld>
+    <p:spTree>
+      <p:nvGrpSpPr>
         <p:cNvPr id="1" name="Shape 290"/>
         <p:cNvGrpSpPr/>
         <p:nvPr/>
@@ -1618,115 +1727,6 @@
     <p:extLst>
       <p:ext uri="{BB962C8B-B14F-4D97-AF65-F5344CB8AC3E}">
         <p14:creationId xmlns:p14="http://schemas.microsoft.com/office/powerpoint/2010/main" val="3184844371"/>
-      </p:ext>
-    </p:extLst>
-  </p:cSld>
-  <p:clrMapOvr>
-    <a:masterClrMapping/>
-  </p:clrMapOvr>
-</p:notes>
-</file>
-
-<file path=ppt/notesSlides/notesSlide4.xml><?xml version="1.0" encoding="utf-8"?>
-<p:notes xmlns:a="http://schemas.openxmlformats.org/drawingml/2006/main" xmlns:r="http://schemas.openxmlformats.org/officeDocument/2006/relationships" xmlns:p="http://schemas.openxmlformats.org/presentationml/2006/main" showMasterSp="0" showMasterPhAnim="0">
-  <p:cSld>
-    <p:spTree>
-      <p:nvGrpSpPr>
-        <p:cNvPr id="1" name="Shape 217"/>
-        <p:cNvGrpSpPr/>
-        <p:nvPr/>
-      </p:nvGrpSpPr>
-      <p:grpSpPr>
-        <a:xfrm>
-          <a:off x="0" y="0"/>
-          <a:ext cx="0" cy="0"/>
-          <a:chOff x="0" y="0"/>
-          <a:chExt cx="0" cy="0"/>
-        </a:xfrm>
-      </p:grpSpPr>
-      <p:sp>
-        <p:nvSpPr>
-          <p:cNvPr id="218" name="Google Shape;218;g292a9bb486b_1_130:notes"/>
-          <p:cNvSpPr txBox="1">
-            <a:spLocks noGrp="1"/>
-          </p:cNvSpPr>
-          <p:nvPr>
-            <p:ph type="body" idx="1"/>
-          </p:nvPr>
-        </p:nvSpPr>
-        <p:spPr>
-          <a:xfrm>
-            <a:off x="685800" y="4343400"/>
-            <a:ext cx="5486400" cy="4114800"/>
-          </a:xfrm>
-          <a:prstGeom prst="rect">
-            <a:avLst/>
-          </a:prstGeom>
-        </p:spPr>
-        <p:txBody>
-          <a:bodyPr spcFirstLastPara="1" wrap="square" lIns="91425" tIns="91425" rIns="91425" bIns="91425" anchor="t" anchorCtr="0">
-            <a:noAutofit/>
-          </a:bodyPr>
-          <a:lstStyle/>
-          <a:p>
-            <a:pPr marL="0" lvl="0" indent="0" algn="l" rtl="0">
-              <a:spcBef>
-                <a:spcPts val="0"/>
-              </a:spcBef>
-              <a:spcAft>
-                <a:spcPts val="0"/>
-              </a:spcAft>
-              <a:buNone/>
-            </a:pPr>
-            <a:endParaRPr/>
-          </a:p>
-        </p:txBody>
-      </p:sp>
-      <p:sp>
-        <p:nvSpPr>
-          <p:cNvPr id="219" name="Google Shape;219;g292a9bb486b_1_130:notes"/>
-          <p:cNvSpPr>
-            <a:spLocks noGrp="1" noRot="1" noChangeAspect="1"/>
-          </p:cNvSpPr>
-          <p:nvPr>
-            <p:ph type="sldImg" idx="2"/>
-          </p:nvPr>
-        </p:nvSpPr>
-        <p:spPr>
-          <a:xfrm>
-            <a:off x="381000" y="685800"/>
-            <a:ext cx="6096000" cy="3429000"/>
-          </a:xfrm>
-          <a:custGeom>
-            <a:avLst/>
-            <a:gdLst/>
-            <a:ahLst/>
-            <a:cxnLst/>
-            <a:rect l="l" t="t" r="r" b="b"/>
-            <a:pathLst>
-              <a:path w="120000" h="120000" extrusionOk="0">
-                <a:moveTo>
-                  <a:pt x="0" y="0"/>
-                </a:moveTo>
-                <a:lnTo>
-                  <a:pt x="120000" y="0"/>
-                </a:lnTo>
-                <a:lnTo>
-                  <a:pt x="120000" y="120000"/>
-                </a:lnTo>
-                <a:lnTo>
-                  <a:pt x="0" y="120000"/>
-                </a:lnTo>
-                <a:close/>
-              </a:path>
-            </a:pathLst>
-          </a:custGeom>
-        </p:spPr>
-      </p:sp>
-    </p:spTree>
-    <p:extLst>
-      <p:ext uri="{BB962C8B-B14F-4D97-AF65-F5344CB8AC3E}">
-        <p14:creationId xmlns:p14="http://schemas.microsoft.com/office/powerpoint/2010/main" val="983246796"/>
       </p:ext>
     </p:extLst>
   </p:cSld>
@@ -22267,6 +22267,773 @@
     <p:bg>
       <p:bgPr>
         <a:solidFill>
+          <a:srgbClr val="E5E2DD"/>
+        </a:solidFill>
+        <a:effectLst/>
+      </p:bgPr>
+    </p:bg>
+    <p:spTree>
+      <p:nvGrpSpPr>
+        <p:cNvPr id="1" name="Shape 220"/>
+        <p:cNvGrpSpPr/>
+        <p:nvPr/>
+      </p:nvGrpSpPr>
+      <p:grpSpPr>
+        <a:xfrm>
+          <a:off x="0" y="0"/>
+          <a:ext cx="0" cy="0"/>
+          <a:chOff x="0" y="0"/>
+          <a:chExt cx="0" cy="0"/>
+        </a:xfrm>
+      </p:grpSpPr>
+      <p:sp>
+        <p:nvSpPr>
+          <p:cNvPr id="222" name="Google Shape;222;p27"/>
+          <p:cNvSpPr txBox="1"/>
+          <p:nvPr/>
+        </p:nvSpPr>
+        <p:spPr>
+          <a:xfrm>
+            <a:off x="4974859" y="198221"/>
+            <a:ext cx="400217" cy="210777"/>
+          </a:xfrm>
+          <a:prstGeom prst="rect">
+            <a:avLst/>
+          </a:prstGeom>
+          <a:noFill/>
+          <a:ln>
+            <a:noFill/>
+          </a:ln>
+        </p:spPr>
+        <p:txBody>
+          <a:bodyPr spcFirstLastPara="1" wrap="square" lIns="0" tIns="0" rIns="0" bIns="0" anchor="t" anchorCtr="0">
+            <a:spAutoFit/>
+          </a:bodyPr>
+          <a:lstStyle/>
+          <a:p>
+            <a:pPr marL="0" marR="0" lvl="0" indent="0" algn="l" rtl="0">
+              <a:lnSpc>
+                <a:spcPct val="180071"/>
+              </a:lnSpc>
+              <a:spcBef>
+                <a:spcPts val="0"/>
+              </a:spcBef>
+              <a:spcAft>
+                <a:spcPts val="0"/>
+              </a:spcAft>
+              <a:buNone/>
+            </a:pPr>
+            <a:r>
+              <a:rPr lang="en" sz="1000" b="0" i="0" u="none" strike="noStrike" cap="none" dirty="0">
+                <a:solidFill>
+                  <a:srgbClr val="000000"/>
+                </a:solidFill>
+                <a:latin typeface="Nunito Sans"/>
+                <a:ea typeface="Nunito Sans"/>
+                <a:cs typeface="Nunito Sans"/>
+                <a:sym typeface="Nunito Sans"/>
+              </a:rPr>
+              <a:t>Home</a:t>
+            </a:r>
+            <a:endParaRPr sz="700" dirty="0"/>
+          </a:p>
+        </p:txBody>
+      </p:sp>
+      <p:sp>
+        <p:nvSpPr>
+          <p:cNvPr id="223" name="Google Shape;223;p27"/>
+          <p:cNvSpPr txBox="1"/>
+          <p:nvPr/>
+        </p:nvSpPr>
+        <p:spPr>
+          <a:xfrm>
+            <a:off x="5663431" y="198221"/>
+            <a:ext cx="400217" cy="276999"/>
+          </a:xfrm>
+          <a:prstGeom prst="rect">
+            <a:avLst/>
+          </a:prstGeom>
+          <a:noFill/>
+          <a:ln>
+            <a:noFill/>
+          </a:ln>
+        </p:spPr>
+        <p:txBody>
+          <a:bodyPr spcFirstLastPara="1" wrap="square" lIns="0" tIns="0" rIns="0" bIns="0" anchor="t" anchorCtr="0">
+            <a:spAutoFit/>
+          </a:bodyPr>
+          <a:lstStyle/>
+          <a:p>
+            <a:pPr marL="0" marR="0" lvl="0" indent="0" algn="l" rtl="0">
+              <a:lnSpc>
+                <a:spcPct val="180071"/>
+              </a:lnSpc>
+              <a:spcBef>
+                <a:spcPts val="0"/>
+              </a:spcBef>
+              <a:spcAft>
+                <a:spcPts val="0"/>
+              </a:spcAft>
+              <a:buNone/>
+            </a:pPr>
+            <a:r>
+              <a:rPr lang="en" sz="1000" dirty="0" smtClean="0">
+                <a:latin typeface="Nunito Sans"/>
+                <a:sym typeface="Nunito Sans"/>
+              </a:rPr>
+              <a:t>Menu</a:t>
+            </a:r>
+            <a:endParaRPr sz="700" dirty="0"/>
+          </a:p>
+        </p:txBody>
+      </p:sp>
+      <p:sp>
+        <p:nvSpPr>
+          <p:cNvPr id="224" name="Google Shape;224;p27"/>
+          <p:cNvSpPr txBox="1"/>
+          <p:nvPr/>
+        </p:nvSpPr>
+        <p:spPr>
+          <a:xfrm>
+            <a:off x="6352004" y="198221"/>
+            <a:ext cx="555937" cy="276999"/>
+          </a:xfrm>
+          <a:prstGeom prst="rect">
+            <a:avLst/>
+          </a:prstGeom>
+          <a:noFill/>
+          <a:ln>
+            <a:noFill/>
+          </a:ln>
+        </p:spPr>
+        <p:txBody>
+          <a:bodyPr spcFirstLastPara="1" wrap="square" lIns="0" tIns="0" rIns="0" bIns="0" anchor="t" anchorCtr="0">
+            <a:spAutoFit/>
+          </a:bodyPr>
+          <a:lstStyle/>
+          <a:p>
+            <a:pPr marL="0" marR="0" lvl="0" indent="0" algn="l" rtl="0">
+              <a:lnSpc>
+                <a:spcPct val="180071"/>
+              </a:lnSpc>
+              <a:spcBef>
+                <a:spcPts val="0"/>
+              </a:spcBef>
+              <a:spcAft>
+                <a:spcPts val="0"/>
+              </a:spcAft>
+              <a:buNone/>
+            </a:pPr>
+            <a:r>
+              <a:rPr lang="en" sz="1000" b="1" dirty="0" smtClean="0">
+                <a:latin typeface="Nunito Sans"/>
+                <a:ea typeface="Nunito Sans"/>
+                <a:cs typeface="Nunito Sans"/>
+                <a:sym typeface="Nunito Sans"/>
+              </a:rPr>
+              <a:t>Hotel</a:t>
+            </a:r>
+            <a:r>
+              <a:rPr lang="en" sz="1000" b="1" i="0" u="none" strike="noStrike" cap="none" dirty="0" smtClean="0">
+                <a:solidFill>
+                  <a:srgbClr val="000000"/>
+                </a:solidFill>
+                <a:latin typeface="Nunito Sans"/>
+                <a:ea typeface="Nunito Sans"/>
+                <a:cs typeface="Nunito Sans"/>
+                <a:sym typeface="Nunito Sans"/>
+              </a:rPr>
+              <a:t>s</a:t>
+            </a:r>
+            <a:endParaRPr sz="700" dirty="0"/>
+          </a:p>
+        </p:txBody>
+      </p:sp>
+      <p:sp>
+        <p:nvSpPr>
+          <p:cNvPr id="225" name="Google Shape;225;p27"/>
+          <p:cNvSpPr txBox="1"/>
+          <p:nvPr/>
+        </p:nvSpPr>
+        <p:spPr>
+          <a:xfrm>
+            <a:off x="7196296" y="198221"/>
+            <a:ext cx="532768" cy="276999"/>
+          </a:xfrm>
+          <a:prstGeom prst="rect">
+            <a:avLst/>
+          </a:prstGeom>
+          <a:noFill/>
+          <a:ln>
+            <a:noFill/>
+          </a:ln>
+        </p:spPr>
+        <p:txBody>
+          <a:bodyPr spcFirstLastPara="1" wrap="square" lIns="0" tIns="0" rIns="0" bIns="0" anchor="t" anchorCtr="0">
+            <a:spAutoFit/>
+          </a:bodyPr>
+          <a:lstStyle/>
+          <a:p>
+            <a:pPr marL="0" marR="0" lvl="0" indent="0" algn="l" rtl="0">
+              <a:lnSpc>
+                <a:spcPct val="180071"/>
+              </a:lnSpc>
+              <a:spcBef>
+                <a:spcPts val="0"/>
+              </a:spcBef>
+              <a:spcAft>
+                <a:spcPts val="0"/>
+              </a:spcAft>
+              <a:buNone/>
+            </a:pPr>
+            <a:r>
+              <a:rPr lang="en" sz="1000" dirty="0" smtClean="0">
+                <a:latin typeface="Nunito Sans"/>
+                <a:sym typeface="Nunito Sans"/>
+              </a:rPr>
+              <a:t>Rooms</a:t>
+            </a:r>
+            <a:endParaRPr sz="700" dirty="0"/>
+          </a:p>
+        </p:txBody>
+      </p:sp>
+      <p:sp>
+        <p:nvSpPr>
+          <p:cNvPr id="226" name="Google Shape;226;p27"/>
+          <p:cNvSpPr txBox="1"/>
+          <p:nvPr/>
+        </p:nvSpPr>
+        <p:spPr>
+          <a:xfrm>
+            <a:off x="8017420" y="198221"/>
+            <a:ext cx="463262" cy="207807"/>
+          </a:xfrm>
+          <a:prstGeom prst="rect">
+            <a:avLst/>
+          </a:prstGeom>
+          <a:noFill/>
+          <a:ln>
+            <a:noFill/>
+          </a:ln>
+        </p:spPr>
+        <p:txBody>
+          <a:bodyPr spcFirstLastPara="1" wrap="square" lIns="0" tIns="0" rIns="0" bIns="0" anchor="t" anchorCtr="0">
+            <a:spAutoFit/>
+          </a:bodyPr>
+          <a:lstStyle/>
+          <a:p>
+            <a:pPr marL="0" marR="0" lvl="0" indent="0" algn="l" rtl="0">
+              <a:lnSpc>
+                <a:spcPct val="180071"/>
+              </a:lnSpc>
+              <a:spcBef>
+                <a:spcPts val="0"/>
+              </a:spcBef>
+              <a:spcAft>
+                <a:spcPts val="0"/>
+              </a:spcAft>
+              <a:buNone/>
+            </a:pPr>
+            <a:r>
+              <a:rPr lang="en" sz="1000" b="0" i="0" u="none" strike="noStrike" cap="none">
+                <a:solidFill>
+                  <a:srgbClr val="000000"/>
+                </a:solidFill>
+                <a:latin typeface="Nunito Sans"/>
+                <a:ea typeface="Nunito Sans"/>
+                <a:cs typeface="Nunito Sans"/>
+                <a:sym typeface="Nunito Sans"/>
+              </a:rPr>
+              <a:t>Contact</a:t>
+            </a:r>
+            <a:endParaRPr sz="700"/>
+          </a:p>
+        </p:txBody>
+      </p:sp>
+      <p:sp>
+        <p:nvSpPr>
+          <p:cNvPr id="227" name="Google Shape;227;p27"/>
+          <p:cNvSpPr txBox="1"/>
+          <p:nvPr/>
+        </p:nvSpPr>
+        <p:spPr>
+          <a:xfrm>
+            <a:off x="932041" y="227059"/>
+            <a:ext cx="2174222" cy="221599"/>
+          </a:xfrm>
+          <a:prstGeom prst="rect">
+            <a:avLst/>
+          </a:prstGeom>
+          <a:noFill/>
+          <a:ln>
+            <a:noFill/>
+          </a:ln>
+        </p:spPr>
+        <p:txBody>
+          <a:bodyPr spcFirstLastPara="1" wrap="square" lIns="0" tIns="0" rIns="0" bIns="0" anchor="t" anchorCtr="0">
+            <a:spAutoFit/>
+          </a:bodyPr>
+          <a:lstStyle/>
+          <a:p>
+            <a:pPr marL="0" marR="0" lvl="0" indent="0" algn="l" rtl="0">
+              <a:lnSpc>
+                <a:spcPct val="120020"/>
+              </a:lnSpc>
+              <a:spcBef>
+                <a:spcPts val="0"/>
+              </a:spcBef>
+              <a:spcAft>
+                <a:spcPts val="0"/>
+              </a:spcAft>
+              <a:buNone/>
+            </a:pPr>
+            <a:r>
+              <a:rPr lang="en" sz="1200" b="1" dirty="0" smtClean="0">
+                <a:latin typeface="Montserrat"/>
+                <a:sym typeface="Montserrat"/>
+              </a:rPr>
+              <a:t>Hotel Booking Sewa</a:t>
+            </a:r>
+            <a:endParaRPr sz="500" dirty="0"/>
+          </a:p>
+        </p:txBody>
+      </p:sp>
+      <p:sp>
+        <p:nvSpPr>
+          <p:cNvPr id="228" name="Google Shape;228;p27"/>
+          <p:cNvSpPr txBox="1"/>
+          <p:nvPr/>
+        </p:nvSpPr>
+        <p:spPr>
+          <a:xfrm>
+            <a:off x="1040130" y="3216116"/>
+            <a:ext cx="2467200" cy="265457"/>
+          </a:xfrm>
+          <a:prstGeom prst="rect">
+            <a:avLst/>
+          </a:prstGeom>
+          <a:noFill/>
+          <a:ln>
+            <a:noFill/>
+          </a:ln>
+        </p:spPr>
+        <p:txBody>
+          <a:bodyPr spcFirstLastPara="1" wrap="square" lIns="0" tIns="0" rIns="0" bIns="0" anchor="t" anchorCtr="0">
+            <a:spAutoFit/>
+          </a:bodyPr>
+          <a:lstStyle/>
+          <a:p>
+            <a:pPr marL="0" marR="0" lvl="0" indent="0" algn="l" rtl="0">
+              <a:lnSpc>
+                <a:spcPct val="115000"/>
+              </a:lnSpc>
+              <a:spcBef>
+                <a:spcPts val="0"/>
+              </a:spcBef>
+              <a:spcAft>
+                <a:spcPts val="0"/>
+              </a:spcAft>
+              <a:buNone/>
+            </a:pPr>
+            <a:r>
+              <a:rPr lang="en" sz="1500" b="1" dirty="0" smtClean="0">
+                <a:solidFill>
+                  <a:srgbClr val="6792B0"/>
+                </a:solidFill>
+                <a:latin typeface="Montserrat"/>
+                <a:sym typeface="Montserrat"/>
+              </a:rPr>
+              <a:t>Pricing Transparency</a:t>
+            </a:r>
+            <a:endParaRPr sz="700" dirty="0"/>
+          </a:p>
+        </p:txBody>
+      </p:sp>
+      <p:sp>
+        <p:nvSpPr>
+          <p:cNvPr id="229" name="Google Shape;229;p27"/>
+          <p:cNvSpPr txBox="1"/>
+          <p:nvPr/>
+        </p:nvSpPr>
+        <p:spPr>
+          <a:xfrm>
+            <a:off x="1046341" y="3868484"/>
+            <a:ext cx="2467200" cy="849463"/>
+          </a:xfrm>
+          <a:prstGeom prst="rect">
+            <a:avLst/>
+          </a:prstGeom>
+          <a:noFill/>
+          <a:ln>
+            <a:noFill/>
+          </a:ln>
+        </p:spPr>
+        <p:txBody>
+          <a:bodyPr spcFirstLastPara="1" wrap="square" lIns="0" tIns="0" rIns="0" bIns="0" anchor="t" anchorCtr="0">
+            <a:spAutoFit/>
+          </a:bodyPr>
+          <a:lstStyle/>
+          <a:p>
+            <a:pPr lvl="0">
+              <a:lnSpc>
+                <a:spcPct val="115000"/>
+              </a:lnSpc>
+            </a:pPr>
+            <a:r>
+              <a:rPr lang="en-US" sz="1600" b="1" dirty="0" smtClean="0">
+                <a:solidFill>
+                  <a:schemeClr val="tx1"/>
+                </a:solidFill>
+                <a:latin typeface="Nunito Sans" panose="020B0604020202020204" charset="0"/>
+              </a:rPr>
+              <a:t>Online </a:t>
+            </a:r>
+            <a:r>
+              <a:rPr lang="en-US" sz="1600" b="1" dirty="0">
+                <a:solidFill>
+                  <a:schemeClr val="tx1"/>
+                </a:solidFill>
+                <a:latin typeface="Nunito Sans" panose="020B0604020202020204" charset="0"/>
+              </a:rPr>
+              <a:t>hotel booking apps lacks of transparency in </a:t>
+            </a:r>
+            <a:r>
+              <a:rPr lang="en-US" sz="1600" b="1" dirty="0" smtClean="0">
+                <a:solidFill>
+                  <a:schemeClr val="tx1"/>
+                </a:solidFill>
+                <a:latin typeface="Nunito Sans" panose="020B0604020202020204" charset="0"/>
+              </a:rPr>
+              <a:t>pricing.</a:t>
+            </a:r>
+            <a:endParaRPr b="1" dirty="0">
+              <a:solidFill>
+                <a:schemeClr val="tx1"/>
+              </a:solidFill>
+              <a:latin typeface="Nunito Sans" panose="020B0604020202020204" charset="0"/>
+            </a:endParaRPr>
+          </a:p>
+        </p:txBody>
+      </p:sp>
+      <p:sp>
+        <p:nvSpPr>
+          <p:cNvPr id="230" name="Google Shape;230;p27"/>
+          <p:cNvSpPr txBox="1"/>
+          <p:nvPr/>
+        </p:nvSpPr>
+        <p:spPr>
+          <a:xfrm>
+            <a:off x="1040130" y="2240736"/>
+            <a:ext cx="2467117" cy="757238"/>
+          </a:xfrm>
+          <a:prstGeom prst="rect">
+            <a:avLst/>
+          </a:prstGeom>
+          <a:noFill/>
+          <a:ln>
+            <a:noFill/>
+          </a:ln>
+        </p:spPr>
+        <p:txBody>
+          <a:bodyPr spcFirstLastPara="1" wrap="square" lIns="0" tIns="0" rIns="0" bIns="0" anchor="t" anchorCtr="0">
+            <a:spAutoFit/>
+          </a:bodyPr>
+          <a:lstStyle/>
+          <a:p>
+            <a:pPr marL="0" marR="0" lvl="0" indent="0" algn="l" rtl="0">
+              <a:lnSpc>
+                <a:spcPct val="120002"/>
+              </a:lnSpc>
+              <a:spcBef>
+                <a:spcPts val="0"/>
+              </a:spcBef>
+              <a:spcAft>
+                <a:spcPts val="0"/>
+              </a:spcAft>
+              <a:buNone/>
+            </a:pPr>
+            <a:r>
+              <a:rPr lang="en" sz="5000" b="1" i="0" u="none" strike="noStrike" cap="none" dirty="0">
+                <a:solidFill>
+                  <a:srgbClr val="6792B0"/>
+                </a:solidFill>
+                <a:latin typeface="Montserrat"/>
+                <a:ea typeface="Montserrat"/>
+                <a:cs typeface="Montserrat"/>
+                <a:sym typeface="Montserrat"/>
+              </a:rPr>
+              <a:t>01.</a:t>
+            </a:r>
+            <a:endParaRPr sz="700" dirty="0"/>
+          </a:p>
+        </p:txBody>
+      </p:sp>
+      <p:sp>
+        <p:nvSpPr>
+          <p:cNvPr id="231" name="Google Shape;231;p27"/>
+          <p:cNvSpPr txBox="1"/>
+          <p:nvPr/>
+        </p:nvSpPr>
+        <p:spPr>
+          <a:xfrm>
+            <a:off x="514350" y="1246997"/>
+            <a:ext cx="5648183" cy="775597"/>
+          </a:xfrm>
+          <a:prstGeom prst="rect">
+            <a:avLst/>
+          </a:prstGeom>
+          <a:noFill/>
+          <a:ln>
+            <a:noFill/>
+          </a:ln>
+        </p:spPr>
+        <p:txBody>
+          <a:bodyPr spcFirstLastPara="1" wrap="square" lIns="0" tIns="0" rIns="0" bIns="0" anchor="t" anchorCtr="0">
+            <a:spAutoFit/>
+          </a:bodyPr>
+          <a:lstStyle/>
+          <a:p>
+            <a:pPr marL="0" marR="0" lvl="0" indent="0" algn="l" rtl="0">
+              <a:lnSpc>
+                <a:spcPct val="120000"/>
+              </a:lnSpc>
+              <a:spcBef>
+                <a:spcPts val="0"/>
+              </a:spcBef>
+              <a:spcAft>
+                <a:spcPts val="0"/>
+              </a:spcAft>
+              <a:buNone/>
+            </a:pPr>
+            <a:r>
+              <a:rPr lang="en" sz="4200" b="1" u="sng" dirty="0" smtClean="0">
+                <a:latin typeface="Montserrat"/>
+                <a:sym typeface="Montserrat"/>
+              </a:rPr>
+              <a:t>Problem Statement</a:t>
+            </a:r>
+            <a:endParaRPr sz="700" u="sng" dirty="0"/>
+          </a:p>
+        </p:txBody>
+      </p:sp>
+      <p:sp>
+        <p:nvSpPr>
+          <p:cNvPr id="235" name="Google Shape;235;p27"/>
+          <p:cNvSpPr txBox="1"/>
+          <p:nvPr/>
+        </p:nvSpPr>
+        <p:spPr>
+          <a:xfrm>
+            <a:off x="5607565" y="3216116"/>
+            <a:ext cx="2467200" cy="265457"/>
+          </a:xfrm>
+          <a:prstGeom prst="rect">
+            <a:avLst/>
+          </a:prstGeom>
+          <a:noFill/>
+          <a:ln>
+            <a:noFill/>
+          </a:ln>
+        </p:spPr>
+        <p:txBody>
+          <a:bodyPr spcFirstLastPara="1" wrap="square" lIns="0" tIns="0" rIns="0" bIns="0" anchor="t" anchorCtr="0">
+            <a:spAutoFit/>
+          </a:bodyPr>
+          <a:lstStyle/>
+          <a:p>
+            <a:pPr marL="0" marR="0" lvl="0" indent="0" algn="l" rtl="0">
+              <a:lnSpc>
+                <a:spcPct val="115000"/>
+              </a:lnSpc>
+              <a:spcBef>
+                <a:spcPts val="0"/>
+              </a:spcBef>
+              <a:spcAft>
+                <a:spcPts val="0"/>
+              </a:spcAft>
+              <a:buNone/>
+            </a:pPr>
+            <a:r>
+              <a:rPr lang="en" sz="1500" b="1" dirty="0" smtClean="0">
+                <a:solidFill>
+                  <a:srgbClr val="6792B0"/>
+                </a:solidFill>
+                <a:latin typeface="Montserrat"/>
+                <a:sym typeface="Montserrat"/>
+              </a:rPr>
+              <a:t>Customer Assistance</a:t>
+            </a:r>
+            <a:endParaRPr sz="700" dirty="0"/>
+          </a:p>
+        </p:txBody>
+      </p:sp>
+      <p:sp>
+        <p:nvSpPr>
+          <p:cNvPr id="236" name="Google Shape;236;p27"/>
+          <p:cNvSpPr txBox="1"/>
+          <p:nvPr/>
+        </p:nvSpPr>
+        <p:spPr>
+          <a:xfrm>
+            <a:off x="5674382" y="3788250"/>
+            <a:ext cx="2467200" cy="849463"/>
+          </a:xfrm>
+          <a:prstGeom prst="rect">
+            <a:avLst/>
+          </a:prstGeom>
+          <a:noFill/>
+          <a:ln>
+            <a:noFill/>
+          </a:ln>
+        </p:spPr>
+        <p:txBody>
+          <a:bodyPr spcFirstLastPara="1" wrap="square" lIns="0" tIns="0" rIns="0" bIns="0" anchor="t" anchorCtr="0">
+            <a:spAutoFit/>
+          </a:bodyPr>
+          <a:lstStyle/>
+          <a:p>
+            <a:pPr lvl="0">
+              <a:lnSpc>
+                <a:spcPct val="115000"/>
+              </a:lnSpc>
+            </a:pPr>
+            <a:r>
+              <a:rPr lang="en-US" sz="1600" b="1" spc="5" dirty="0" smtClean="0">
+                <a:solidFill>
+                  <a:schemeClr val="tx1"/>
+                </a:solidFill>
+                <a:latin typeface="Nunito Sans" panose="020B0604020202020204" charset="0"/>
+                <a:ea typeface="Calibri" panose="020F0502020204030204" pitchFamily="34" charset="0"/>
+              </a:rPr>
+              <a:t>Online </a:t>
+            </a:r>
+            <a:r>
+              <a:rPr lang="en-US" sz="1600" b="1" spc="5" dirty="0">
+                <a:solidFill>
+                  <a:schemeClr val="tx1"/>
+                </a:solidFill>
+                <a:latin typeface="Nunito Sans" panose="020B0604020202020204" charset="0"/>
+                <a:ea typeface="Calibri" panose="020F0502020204030204" pitchFamily="34" charset="0"/>
+              </a:rPr>
+              <a:t>hotel booking apps may lack customer support and </a:t>
+            </a:r>
+            <a:r>
+              <a:rPr lang="en-US" sz="1600" b="1" spc="5" dirty="0" smtClean="0">
+                <a:solidFill>
+                  <a:schemeClr val="tx1"/>
+                </a:solidFill>
+                <a:latin typeface="Nunito Sans" panose="020B0604020202020204" charset="0"/>
+                <a:ea typeface="Calibri" panose="020F0502020204030204" pitchFamily="34" charset="0"/>
+              </a:rPr>
+              <a:t>assistance.</a:t>
+            </a:r>
+            <a:endParaRPr b="1" dirty="0">
+              <a:solidFill>
+                <a:schemeClr val="tx1"/>
+              </a:solidFill>
+              <a:latin typeface="Nunito Sans" panose="020B0604020202020204" charset="0"/>
+            </a:endParaRPr>
+          </a:p>
+        </p:txBody>
+      </p:sp>
+      <p:sp>
+        <p:nvSpPr>
+          <p:cNvPr id="237" name="Google Shape;237;p27"/>
+          <p:cNvSpPr txBox="1"/>
+          <p:nvPr/>
+        </p:nvSpPr>
+        <p:spPr>
+          <a:xfrm>
+            <a:off x="5674382" y="2132250"/>
+            <a:ext cx="2467117" cy="923330"/>
+          </a:xfrm>
+          <a:prstGeom prst="rect">
+            <a:avLst/>
+          </a:prstGeom>
+          <a:noFill/>
+          <a:ln>
+            <a:noFill/>
+          </a:ln>
+        </p:spPr>
+        <p:txBody>
+          <a:bodyPr spcFirstLastPara="1" wrap="square" lIns="0" tIns="0" rIns="0" bIns="0" anchor="t" anchorCtr="0">
+            <a:spAutoFit/>
+          </a:bodyPr>
+          <a:lstStyle/>
+          <a:p>
+            <a:pPr marL="0" marR="0" lvl="0" indent="0" algn="l" rtl="0">
+              <a:lnSpc>
+                <a:spcPct val="120002"/>
+              </a:lnSpc>
+              <a:spcBef>
+                <a:spcPts val="0"/>
+              </a:spcBef>
+              <a:spcAft>
+                <a:spcPts val="0"/>
+              </a:spcAft>
+              <a:buNone/>
+            </a:pPr>
+            <a:r>
+              <a:rPr lang="en" sz="5000" b="1" i="0" u="none" strike="noStrike" cap="none" dirty="0" smtClean="0">
+                <a:solidFill>
+                  <a:srgbClr val="6792B0"/>
+                </a:solidFill>
+                <a:latin typeface="Montserrat"/>
+                <a:ea typeface="Montserrat"/>
+                <a:cs typeface="Montserrat"/>
+                <a:sym typeface="Montserrat"/>
+              </a:rPr>
+              <a:t>02.</a:t>
+            </a:r>
+            <a:endParaRPr sz="700" dirty="0"/>
+          </a:p>
+        </p:txBody>
+      </p:sp>
+      <p:pic>
+        <p:nvPicPr>
+          <p:cNvPr id="2" name="Picture 1"/>
+          <p:cNvPicPr>
+            <a:picLocks noChangeAspect="1"/>
+          </p:cNvPicPr>
+          <p:nvPr/>
+        </p:nvPicPr>
+        <p:blipFill>
+          <a:blip r:embed="rId3"/>
+          <a:stretch>
+            <a:fillRect/>
+          </a:stretch>
+        </p:blipFill>
+        <p:spPr>
+          <a:xfrm>
+            <a:off x="148590" y="157031"/>
+            <a:ext cx="495095" cy="447311"/>
+          </a:xfrm>
+          <a:prstGeom prst="rect">
+            <a:avLst/>
+          </a:prstGeom>
+        </p:spPr>
+      </p:pic>
+    </p:spTree>
+  </p:cSld>
+  <p:clrMapOvr>
+    <a:masterClrMapping/>
+  </p:clrMapOvr>
+  <p:timing>
+    <p:tnLst>
+      <p:par>
+        <p:cTn id="1" dur="indefinite" restart="never" nodeType="tmRoot"/>
+      </p:par>
+    </p:tnLst>
+  </p:timing>
+</p:sld>
+</file>
+
+<file path=ppt/slides/slide4.xml><?xml version="1.0" encoding="utf-8"?>
+<p:sld xmlns:a="http://schemas.openxmlformats.org/drawingml/2006/main" xmlns:r="http://schemas.openxmlformats.org/officeDocument/2006/relationships" xmlns:p="http://schemas.openxmlformats.org/presentationml/2006/main">
+  <p:cSld>
+    <p:bg>
+      <p:bgPr>
+        <a:solidFill>
           <a:srgbClr val="6792B0"/>
         </a:solidFill>
         <a:effectLst/>
@@ -22923,943 +23690,6 @@
 </p:sld>
 </file>
 
-<file path=ppt/slides/slide4.xml><?xml version="1.0" encoding="utf-8"?>
-<p:sld xmlns:a="http://schemas.openxmlformats.org/drawingml/2006/main" xmlns:r="http://schemas.openxmlformats.org/officeDocument/2006/relationships" xmlns:p="http://schemas.openxmlformats.org/presentationml/2006/main">
-  <p:cSld>
-    <p:bg>
-      <p:bgPr>
-        <a:solidFill>
-          <a:srgbClr val="E5E2DD"/>
-        </a:solidFill>
-        <a:effectLst/>
-      </p:bgPr>
-    </p:bg>
-    <p:spTree>
-      <p:nvGrpSpPr>
-        <p:cNvPr id="1" name="Shape 220"/>
-        <p:cNvGrpSpPr/>
-        <p:nvPr/>
-      </p:nvGrpSpPr>
-      <p:grpSpPr>
-        <a:xfrm>
-          <a:off x="0" y="0"/>
-          <a:ext cx="0" cy="0"/>
-          <a:chOff x="0" y="0"/>
-          <a:chExt cx="0" cy="0"/>
-        </a:xfrm>
-      </p:grpSpPr>
-      <p:sp>
-        <p:nvSpPr>
-          <p:cNvPr id="222" name="Google Shape;222;p27"/>
-          <p:cNvSpPr txBox="1"/>
-          <p:nvPr/>
-        </p:nvSpPr>
-        <p:spPr>
-          <a:xfrm>
-            <a:off x="4974859" y="198221"/>
-            <a:ext cx="400217" cy="210777"/>
-          </a:xfrm>
-          <a:prstGeom prst="rect">
-            <a:avLst/>
-          </a:prstGeom>
-          <a:noFill/>
-          <a:ln>
-            <a:noFill/>
-          </a:ln>
-        </p:spPr>
-        <p:txBody>
-          <a:bodyPr spcFirstLastPara="1" wrap="square" lIns="0" tIns="0" rIns="0" bIns="0" anchor="t" anchorCtr="0">
-            <a:spAutoFit/>
-          </a:bodyPr>
-          <a:lstStyle/>
-          <a:p>
-            <a:pPr marL="0" marR="0" lvl="0" indent="0" algn="l" rtl="0">
-              <a:lnSpc>
-                <a:spcPct val="180071"/>
-              </a:lnSpc>
-              <a:spcBef>
-                <a:spcPts val="0"/>
-              </a:spcBef>
-              <a:spcAft>
-                <a:spcPts val="0"/>
-              </a:spcAft>
-              <a:buNone/>
-            </a:pPr>
-            <a:r>
-              <a:rPr lang="en" sz="1000" b="0" i="0" u="none" strike="noStrike" cap="none" dirty="0">
-                <a:solidFill>
-                  <a:srgbClr val="000000"/>
-                </a:solidFill>
-                <a:latin typeface="Nunito Sans"/>
-                <a:ea typeface="Nunito Sans"/>
-                <a:cs typeface="Nunito Sans"/>
-                <a:sym typeface="Nunito Sans"/>
-              </a:rPr>
-              <a:t>Home</a:t>
-            </a:r>
-            <a:endParaRPr sz="700" dirty="0"/>
-          </a:p>
-        </p:txBody>
-      </p:sp>
-      <p:sp>
-        <p:nvSpPr>
-          <p:cNvPr id="223" name="Google Shape;223;p27"/>
-          <p:cNvSpPr txBox="1"/>
-          <p:nvPr/>
-        </p:nvSpPr>
-        <p:spPr>
-          <a:xfrm>
-            <a:off x="5663431" y="198221"/>
-            <a:ext cx="400217" cy="276999"/>
-          </a:xfrm>
-          <a:prstGeom prst="rect">
-            <a:avLst/>
-          </a:prstGeom>
-          <a:noFill/>
-          <a:ln>
-            <a:noFill/>
-          </a:ln>
-        </p:spPr>
-        <p:txBody>
-          <a:bodyPr spcFirstLastPara="1" wrap="square" lIns="0" tIns="0" rIns="0" bIns="0" anchor="t" anchorCtr="0">
-            <a:spAutoFit/>
-          </a:bodyPr>
-          <a:lstStyle/>
-          <a:p>
-            <a:pPr marL="0" marR="0" lvl="0" indent="0" algn="l" rtl="0">
-              <a:lnSpc>
-                <a:spcPct val="180071"/>
-              </a:lnSpc>
-              <a:spcBef>
-                <a:spcPts val="0"/>
-              </a:spcBef>
-              <a:spcAft>
-                <a:spcPts val="0"/>
-              </a:spcAft>
-              <a:buNone/>
-            </a:pPr>
-            <a:r>
-              <a:rPr lang="en" sz="1000" dirty="0" smtClean="0">
-                <a:latin typeface="Nunito Sans"/>
-                <a:sym typeface="Nunito Sans"/>
-              </a:rPr>
-              <a:t>Menu</a:t>
-            </a:r>
-            <a:endParaRPr sz="700" dirty="0"/>
-          </a:p>
-        </p:txBody>
-      </p:sp>
-      <p:sp>
-        <p:nvSpPr>
-          <p:cNvPr id="224" name="Google Shape;224;p27"/>
-          <p:cNvSpPr txBox="1"/>
-          <p:nvPr/>
-        </p:nvSpPr>
-        <p:spPr>
-          <a:xfrm>
-            <a:off x="6352004" y="198221"/>
-            <a:ext cx="555937" cy="276999"/>
-          </a:xfrm>
-          <a:prstGeom prst="rect">
-            <a:avLst/>
-          </a:prstGeom>
-          <a:noFill/>
-          <a:ln>
-            <a:noFill/>
-          </a:ln>
-        </p:spPr>
-        <p:txBody>
-          <a:bodyPr spcFirstLastPara="1" wrap="square" lIns="0" tIns="0" rIns="0" bIns="0" anchor="t" anchorCtr="0">
-            <a:spAutoFit/>
-          </a:bodyPr>
-          <a:lstStyle/>
-          <a:p>
-            <a:pPr marL="0" marR="0" lvl="0" indent="0" algn="l" rtl="0">
-              <a:lnSpc>
-                <a:spcPct val="180071"/>
-              </a:lnSpc>
-              <a:spcBef>
-                <a:spcPts val="0"/>
-              </a:spcBef>
-              <a:spcAft>
-                <a:spcPts val="0"/>
-              </a:spcAft>
-              <a:buNone/>
-            </a:pPr>
-            <a:r>
-              <a:rPr lang="en" sz="1000" b="1" dirty="0" smtClean="0">
-                <a:latin typeface="Nunito Sans"/>
-                <a:ea typeface="Nunito Sans"/>
-                <a:cs typeface="Nunito Sans"/>
-                <a:sym typeface="Nunito Sans"/>
-              </a:rPr>
-              <a:t>Hotel</a:t>
-            </a:r>
-            <a:r>
-              <a:rPr lang="en" sz="1000" b="1" i="0" u="none" strike="noStrike" cap="none" dirty="0" smtClean="0">
-                <a:solidFill>
-                  <a:srgbClr val="000000"/>
-                </a:solidFill>
-                <a:latin typeface="Nunito Sans"/>
-                <a:ea typeface="Nunito Sans"/>
-                <a:cs typeface="Nunito Sans"/>
-                <a:sym typeface="Nunito Sans"/>
-              </a:rPr>
-              <a:t>s</a:t>
-            </a:r>
-            <a:endParaRPr sz="700" dirty="0"/>
-          </a:p>
-        </p:txBody>
-      </p:sp>
-      <p:sp>
-        <p:nvSpPr>
-          <p:cNvPr id="225" name="Google Shape;225;p27"/>
-          <p:cNvSpPr txBox="1"/>
-          <p:nvPr/>
-        </p:nvSpPr>
-        <p:spPr>
-          <a:xfrm>
-            <a:off x="7196296" y="198221"/>
-            <a:ext cx="532768" cy="276999"/>
-          </a:xfrm>
-          <a:prstGeom prst="rect">
-            <a:avLst/>
-          </a:prstGeom>
-          <a:noFill/>
-          <a:ln>
-            <a:noFill/>
-          </a:ln>
-        </p:spPr>
-        <p:txBody>
-          <a:bodyPr spcFirstLastPara="1" wrap="square" lIns="0" tIns="0" rIns="0" bIns="0" anchor="t" anchorCtr="0">
-            <a:spAutoFit/>
-          </a:bodyPr>
-          <a:lstStyle/>
-          <a:p>
-            <a:pPr marL="0" marR="0" lvl="0" indent="0" algn="l" rtl="0">
-              <a:lnSpc>
-                <a:spcPct val="180071"/>
-              </a:lnSpc>
-              <a:spcBef>
-                <a:spcPts val="0"/>
-              </a:spcBef>
-              <a:spcAft>
-                <a:spcPts val="0"/>
-              </a:spcAft>
-              <a:buNone/>
-            </a:pPr>
-            <a:r>
-              <a:rPr lang="en" sz="1000" dirty="0" smtClean="0">
-                <a:latin typeface="Nunito Sans"/>
-                <a:sym typeface="Nunito Sans"/>
-              </a:rPr>
-              <a:t>Rooms</a:t>
-            </a:r>
-            <a:endParaRPr sz="700" dirty="0"/>
-          </a:p>
-        </p:txBody>
-      </p:sp>
-      <p:sp>
-        <p:nvSpPr>
-          <p:cNvPr id="226" name="Google Shape;226;p27"/>
-          <p:cNvSpPr txBox="1"/>
-          <p:nvPr/>
-        </p:nvSpPr>
-        <p:spPr>
-          <a:xfrm>
-            <a:off x="8017420" y="198221"/>
-            <a:ext cx="463262" cy="207807"/>
-          </a:xfrm>
-          <a:prstGeom prst="rect">
-            <a:avLst/>
-          </a:prstGeom>
-          <a:noFill/>
-          <a:ln>
-            <a:noFill/>
-          </a:ln>
-        </p:spPr>
-        <p:txBody>
-          <a:bodyPr spcFirstLastPara="1" wrap="square" lIns="0" tIns="0" rIns="0" bIns="0" anchor="t" anchorCtr="0">
-            <a:spAutoFit/>
-          </a:bodyPr>
-          <a:lstStyle/>
-          <a:p>
-            <a:pPr marL="0" marR="0" lvl="0" indent="0" algn="l" rtl="0">
-              <a:lnSpc>
-                <a:spcPct val="180071"/>
-              </a:lnSpc>
-              <a:spcBef>
-                <a:spcPts val="0"/>
-              </a:spcBef>
-              <a:spcAft>
-                <a:spcPts val="0"/>
-              </a:spcAft>
-              <a:buNone/>
-            </a:pPr>
-            <a:r>
-              <a:rPr lang="en" sz="1000" b="0" i="0" u="none" strike="noStrike" cap="none">
-                <a:solidFill>
-                  <a:srgbClr val="000000"/>
-                </a:solidFill>
-                <a:latin typeface="Nunito Sans"/>
-                <a:ea typeface="Nunito Sans"/>
-                <a:cs typeface="Nunito Sans"/>
-                <a:sym typeface="Nunito Sans"/>
-              </a:rPr>
-              <a:t>Contact</a:t>
-            </a:r>
-            <a:endParaRPr sz="700"/>
-          </a:p>
-        </p:txBody>
-      </p:sp>
-      <p:sp>
-        <p:nvSpPr>
-          <p:cNvPr id="227" name="Google Shape;227;p27"/>
-          <p:cNvSpPr txBox="1"/>
-          <p:nvPr/>
-        </p:nvSpPr>
-        <p:spPr>
-          <a:xfrm>
-            <a:off x="932041" y="227059"/>
-            <a:ext cx="2174222" cy="221599"/>
-          </a:xfrm>
-          <a:prstGeom prst="rect">
-            <a:avLst/>
-          </a:prstGeom>
-          <a:noFill/>
-          <a:ln>
-            <a:noFill/>
-          </a:ln>
-        </p:spPr>
-        <p:txBody>
-          <a:bodyPr spcFirstLastPara="1" wrap="square" lIns="0" tIns="0" rIns="0" bIns="0" anchor="t" anchorCtr="0">
-            <a:spAutoFit/>
-          </a:bodyPr>
-          <a:lstStyle/>
-          <a:p>
-            <a:pPr marL="0" marR="0" lvl="0" indent="0" algn="l" rtl="0">
-              <a:lnSpc>
-                <a:spcPct val="120020"/>
-              </a:lnSpc>
-              <a:spcBef>
-                <a:spcPts val="0"/>
-              </a:spcBef>
-              <a:spcAft>
-                <a:spcPts val="0"/>
-              </a:spcAft>
-              <a:buNone/>
-            </a:pPr>
-            <a:r>
-              <a:rPr lang="en" sz="1200" b="1" dirty="0" smtClean="0">
-                <a:latin typeface="Montserrat"/>
-                <a:sym typeface="Montserrat"/>
-              </a:rPr>
-              <a:t>Hotel Booking Sewa</a:t>
-            </a:r>
-            <a:endParaRPr sz="500" dirty="0"/>
-          </a:p>
-        </p:txBody>
-      </p:sp>
-      <p:sp>
-        <p:nvSpPr>
-          <p:cNvPr id="228" name="Google Shape;228;p27"/>
-          <p:cNvSpPr txBox="1"/>
-          <p:nvPr/>
-        </p:nvSpPr>
-        <p:spPr>
-          <a:xfrm>
-            <a:off x="514350" y="3216117"/>
-            <a:ext cx="2467200" cy="265457"/>
-          </a:xfrm>
-          <a:prstGeom prst="rect">
-            <a:avLst/>
-          </a:prstGeom>
-          <a:noFill/>
-          <a:ln>
-            <a:noFill/>
-          </a:ln>
-        </p:spPr>
-        <p:txBody>
-          <a:bodyPr spcFirstLastPara="1" wrap="square" lIns="0" tIns="0" rIns="0" bIns="0" anchor="t" anchorCtr="0">
-            <a:spAutoFit/>
-          </a:bodyPr>
-          <a:lstStyle/>
-          <a:p>
-            <a:pPr marL="0" marR="0" lvl="0" indent="0" algn="l" rtl="0">
-              <a:lnSpc>
-                <a:spcPct val="115000"/>
-              </a:lnSpc>
-              <a:spcBef>
-                <a:spcPts val="0"/>
-              </a:spcBef>
-              <a:spcAft>
-                <a:spcPts val="0"/>
-              </a:spcAft>
-              <a:buNone/>
-            </a:pPr>
-            <a:r>
-              <a:rPr lang="en" sz="1500" b="1" dirty="0" smtClean="0">
-                <a:solidFill>
-                  <a:srgbClr val="6792B0"/>
-                </a:solidFill>
-                <a:latin typeface="Montserrat"/>
-                <a:sym typeface="Montserrat"/>
-              </a:rPr>
-              <a:t>Pricing Transparency</a:t>
-            </a:r>
-            <a:endParaRPr sz="700" dirty="0"/>
-          </a:p>
-        </p:txBody>
-      </p:sp>
-      <p:sp>
-        <p:nvSpPr>
-          <p:cNvPr id="229" name="Google Shape;229;p27"/>
-          <p:cNvSpPr txBox="1"/>
-          <p:nvPr/>
-        </p:nvSpPr>
-        <p:spPr>
-          <a:xfrm>
-            <a:off x="514350" y="3865913"/>
-            <a:ext cx="2467200" cy="849463"/>
-          </a:xfrm>
-          <a:prstGeom prst="rect">
-            <a:avLst/>
-          </a:prstGeom>
-          <a:noFill/>
-          <a:ln>
-            <a:noFill/>
-          </a:ln>
-        </p:spPr>
-        <p:txBody>
-          <a:bodyPr spcFirstLastPara="1" wrap="square" lIns="0" tIns="0" rIns="0" bIns="0" anchor="t" anchorCtr="0">
-            <a:spAutoFit/>
-          </a:bodyPr>
-          <a:lstStyle/>
-          <a:p>
-            <a:pPr lvl="0">
-              <a:lnSpc>
-                <a:spcPct val="115000"/>
-              </a:lnSpc>
-            </a:pPr>
-            <a:r>
-              <a:rPr lang="en-US" sz="1600" b="1" dirty="0" smtClean="0">
-                <a:solidFill>
-                  <a:schemeClr val="tx1"/>
-                </a:solidFill>
-                <a:latin typeface="Nunito Sans" panose="020B0604020202020204" charset="0"/>
-              </a:rPr>
-              <a:t>Online </a:t>
-            </a:r>
-            <a:r>
-              <a:rPr lang="en-US" sz="1600" b="1" dirty="0">
-                <a:solidFill>
-                  <a:schemeClr val="tx1"/>
-                </a:solidFill>
-                <a:latin typeface="Nunito Sans" panose="020B0604020202020204" charset="0"/>
-              </a:rPr>
-              <a:t>hotel booking apps lacks of transparency in </a:t>
-            </a:r>
-            <a:r>
-              <a:rPr lang="en-US" sz="1600" b="1" dirty="0" smtClean="0">
-                <a:solidFill>
-                  <a:schemeClr val="tx1"/>
-                </a:solidFill>
-                <a:latin typeface="Nunito Sans" panose="020B0604020202020204" charset="0"/>
-              </a:rPr>
-              <a:t>pricing.</a:t>
-            </a:r>
-            <a:endParaRPr b="1" dirty="0">
-              <a:solidFill>
-                <a:schemeClr val="tx1"/>
-              </a:solidFill>
-              <a:latin typeface="Nunito Sans" panose="020B0604020202020204" charset="0"/>
-            </a:endParaRPr>
-          </a:p>
-        </p:txBody>
-      </p:sp>
-      <p:sp>
-        <p:nvSpPr>
-          <p:cNvPr id="230" name="Google Shape;230;p27"/>
-          <p:cNvSpPr txBox="1"/>
-          <p:nvPr/>
-        </p:nvSpPr>
-        <p:spPr>
-          <a:xfrm>
-            <a:off x="514350" y="2173200"/>
-            <a:ext cx="2467117" cy="757238"/>
-          </a:xfrm>
-          <a:prstGeom prst="rect">
-            <a:avLst/>
-          </a:prstGeom>
-          <a:noFill/>
-          <a:ln>
-            <a:noFill/>
-          </a:ln>
-        </p:spPr>
-        <p:txBody>
-          <a:bodyPr spcFirstLastPara="1" wrap="square" lIns="0" tIns="0" rIns="0" bIns="0" anchor="t" anchorCtr="0">
-            <a:spAutoFit/>
-          </a:bodyPr>
-          <a:lstStyle/>
-          <a:p>
-            <a:pPr marL="0" marR="0" lvl="0" indent="0" algn="l" rtl="0">
-              <a:lnSpc>
-                <a:spcPct val="120002"/>
-              </a:lnSpc>
-              <a:spcBef>
-                <a:spcPts val="0"/>
-              </a:spcBef>
-              <a:spcAft>
-                <a:spcPts val="0"/>
-              </a:spcAft>
-              <a:buNone/>
-            </a:pPr>
-            <a:r>
-              <a:rPr lang="en" sz="5000" b="1" i="0" u="none" strike="noStrike" cap="none" dirty="0">
-                <a:solidFill>
-                  <a:srgbClr val="6792B0"/>
-                </a:solidFill>
-                <a:latin typeface="Montserrat"/>
-                <a:ea typeface="Montserrat"/>
-                <a:cs typeface="Montserrat"/>
-                <a:sym typeface="Montserrat"/>
-              </a:rPr>
-              <a:t>01.</a:t>
-            </a:r>
-            <a:endParaRPr sz="700" dirty="0"/>
-          </a:p>
-        </p:txBody>
-      </p:sp>
-      <p:sp>
-        <p:nvSpPr>
-          <p:cNvPr id="231" name="Google Shape;231;p27"/>
-          <p:cNvSpPr txBox="1"/>
-          <p:nvPr/>
-        </p:nvSpPr>
-        <p:spPr>
-          <a:xfrm>
-            <a:off x="514350" y="1246997"/>
-            <a:ext cx="5648183" cy="775597"/>
-          </a:xfrm>
-          <a:prstGeom prst="rect">
-            <a:avLst/>
-          </a:prstGeom>
-          <a:noFill/>
-          <a:ln>
-            <a:noFill/>
-          </a:ln>
-        </p:spPr>
-        <p:txBody>
-          <a:bodyPr spcFirstLastPara="1" wrap="square" lIns="0" tIns="0" rIns="0" bIns="0" anchor="t" anchorCtr="0">
-            <a:spAutoFit/>
-          </a:bodyPr>
-          <a:lstStyle/>
-          <a:p>
-            <a:pPr marL="0" marR="0" lvl="0" indent="0" algn="l" rtl="0">
-              <a:lnSpc>
-                <a:spcPct val="120000"/>
-              </a:lnSpc>
-              <a:spcBef>
-                <a:spcPts val="0"/>
-              </a:spcBef>
-              <a:spcAft>
-                <a:spcPts val="0"/>
-              </a:spcAft>
-              <a:buNone/>
-            </a:pPr>
-            <a:r>
-              <a:rPr lang="en" sz="4200" b="1" u="sng" dirty="0" smtClean="0">
-                <a:latin typeface="Montserrat"/>
-                <a:sym typeface="Montserrat"/>
-              </a:rPr>
-              <a:t>Problem Statement</a:t>
-            </a:r>
-            <a:endParaRPr sz="700" u="sng" dirty="0"/>
-          </a:p>
-        </p:txBody>
-      </p:sp>
-      <p:sp>
-        <p:nvSpPr>
-          <p:cNvPr id="232" name="Google Shape;232;p27"/>
-          <p:cNvSpPr txBox="1"/>
-          <p:nvPr/>
-        </p:nvSpPr>
-        <p:spPr>
-          <a:xfrm>
-            <a:off x="3338441" y="3216116"/>
-            <a:ext cx="2639448" cy="265457"/>
-          </a:xfrm>
-          <a:prstGeom prst="rect">
-            <a:avLst/>
-          </a:prstGeom>
-          <a:noFill/>
-          <a:ln>
-            <a:noFill/>
-          </a:ln>
-        </p:spPr>
-        <p:txBody>
-          <a:bodyPr spcFirstLastPara="1" wrap="square" lIns="0" tIns="0" rIns="0" bIns="0" anchor="t" anchorCtr="0">
-            <a:spAutoFit/>
-          </a:bodyPr>
-          <a:lstStyle/>
-          <a:p>
-            <a:pPr marL="0" marR="0" lvl="0" indent="0" algn="l" rtl="0">
-              <a:lnSpc>
-                <a:spcPct val="115000"/>
-              </a:lnSpc>
-              <a:spcBef>
-                <a:spcPts val="0"/>
-              </a:spcBef>
-              <a:spcAft>
-                <a:spcPts val="0"/>
-              </a:spcAft>
-              <a:buNone/>
-            </a:pPr>
-            <a:r>
-              <a:rPr lang="en" sz="1500" b="1" dirty="0" smtClean="0">
-                <a:solidFill>
-                  <a:srgbClr val="6792B0"/>
-                </a:solidFill>
-                <a:latin typeface="Montserrat"/>
-                <a:sym typeface="Montserrat"/>
-              </a:rPr>
-              <a:t>Information Inconsistency</a:t>
-            </a:r>
-            <a:endParaRPr sz="700" dirty="0"/>
-          </a:p>
-        </p:txBody>
-      </p:sp>
-      <p:sp>
-        <p:nvSpPr>
-          <p:cNvPr id="233" name="Google Shape;233;p27"/>
-          <p:cNvSpPr txBox="1"/>
-          <p:nvPr/>
-        </p:nvSpPr>
-        <p:spPr>
-          <a:xfrm>
-            <a:off x="3338441" y="3865913"/>
-            <a:ext cx="2639448" cy="1132618"/>
-          </a:xfrm>
-          <a:prstGeom prst="rect">
-            <a:avLst/>
-          </a:prstGeom>
-          <a:noFill/>
-          <a:ln>
-            <a:noFill/>
-          </a:ln>
-        </p:spPr>
-        <p:txBody>
-          <a:bodyPr spcFirstLastPara="1" wrap="square" lIns="0" tIns="0" rIns="0" bIns="0" anchor="t" anchorCtr="0">
-            <a:spAutoFit/>
-          </a:bodyPr>
-          <a:lstStyle/>
-          <a:p>
-            <a:pPr lvl="0">
-              <a:lnSpc>
-                <a:spcPct val="115000"/>
-              </a:lnSpc>
-            </a:pPr>
-            <a:r>
-              <a:rPr lang="en-US" sz="1600" b="1" dirty="0" smtClean="0">
-                <a:solidFill>
-                  <a:schemeClr val="tx1"/>
-                </a:solidFill>
-                <a:latin typeface="Nunito Sans" panose="020B0604020202020204" charset="0"/>
-              </a:rPr>
-              <a:t>Online </a:t>
-            </a:r>
-            <a:r>
-              <a:rPr lang="en-US" sz="1600" b="1" dirty="0">
-                <a:solidFill>
-                  <a:schemeClr val="tx1"/>
-                </a:solidFill>
-                <a:latin typeface="Nunito Sans" panose="020B0604020202020204" charset="0"/>
-              </a:rPr>
-              <a:t>hotel booking apps are often inconsistent in the quality of information </a:t>
-            </a:r>
-            <a:r>
-              <a:rPr lang="en-US" sz="1600" b="1" dirty="0" smtClean="0">
-                <a:solidFill>
-                  <a:schemeClr val="tx1"/>
-                </a:solidFill>
-                <a:latin typeface="Nunito Sans" panose="020B0604020202020204" charset="0"/>
-              </a:rPr>
-              <a:t>provided.</a:t>
-            </a:r>
-            <a:endParaRPr b="1" dirty="0">
-              <a:solidFill>
-                <a:schemeClr val="tx1"/>
-              </a:solidFill>
-              <a:latin typeface="Nunito Sans" panose="020B0604020202020204" charset="0"/>
-            </a:endParaRPr>
-          </a:p>
-        </p:txBody>
-      </p:sp>
-      <p:sp>
-        <p:nvSpPr>
-          <p:cNvPr id="234" name="Google Shape;234;p27"/>
-          <p:cNvSpPr txBox="1"/>
-          <p:nvPr/>
-        </p:nvSpPr>
-        <p:spPr>
-          <a:xfrm>
-            <a:off x="3338441" y="2184569"/>
-            <a:ext cx="2467117" cy="757238"/>
-          </a:xfrm>
-          <a:prstGeom prst="rect">
-            <a:avLst/>
-          </a:prstGeom>
-          <a:noFill/>
-          <a:ln>
-            <a:noFill/>
-          </a:ln>
-        </p:spPr>
-        <p:txBody>
-          <a:bodyPr spcFirstLastPara="1" wrap="square" lIns="0" tIns="0" rIns="0" bIns="0" anchor="t" anchorCtr="0">
-            <a:spAutoFit/>
-          </a:bodyPr>
-          <a:lstStyle/>
-          <a:p>
-            <a:pPr marL="0" marR="0" lvl="0" indent="0" algn="l" rtl="0">
-              <a:lnSpc>
-                <a:spcPct val="120002"/>
-              </a:lnSpc>
-              <a:spcBef>
-                <a:spcPts val="0"/>
-              </a:spcBef>
-              <a:spcAft>
-                <a:spcPts val="0"/>
-              </a:spcAft>
-              <a:buNone/>
-            </a:pPr>
-            <a:r>
-              <a:rPr lang="en" sz="5000" b="1" i="0" u="none" strike="noStrike" cap="none" dirty="0">
-                <a:solidFill>
-                  <a:srgbClr val="6792B0"/>
-                </a:solidFill>
-                <a:latin typeface="Montserrat"/>
-                <a:ea typeface="Montserrat"/>
-                <a:cs typeface="Montserrat"/>
-                <a:sym typeface="Montserrat"/>
-              </a:rPr>
-              <a:t>02.</a:t>
-            </a:r>
-            <a:endParaRPr sz="700" dirty="0"/>
-          </a:p>
-        </p:txBody>
-      </p:sp>
-      <p:sp>
-        <p:nvSpPr>
-          <p:cNvPr id="235" name="Google Shape;235;p27"/>
-          <p:cNvSpPr txBox="1"/>
-          <p:nvPr/>
-        </p:nvSpPr>
-        <p:spPr>
-          <a:xfrm>
-            <a:off x="6495422" y="3216116"/>
-            <a:ext cx="2467200" cy="265457"/>
-          </a:xfrm>
-          <a:prstGeom prst="rect">
-            <a:avLst/>
-          </a:prstGeom>
-          <a:noFill/>
-          <a:ln>
-            <a:noFill/>
-          </a:ln>
-        </p:spPr>
-        <p:txBody>
-          <a:bodyPr spcFirstLastPara="1" wrap="square" lIns="0" tIns="0" rIns="0" bIns="0" anchor="t" anchorCtr="0">
-            <a:spAutoFit/>
-          </a:bodyPr>
-          <a:lstStyle/>
-          <a:p>
-            <a:pPr marL="0" marR="0" lvl="0" indent="0" algn="l" rtl="0">
-              <a:lnSpc>
-                <a:spcPct val="115000"/>
-              </a:lnSpc>
-              <a:spcBef>
-                <a:spcPts val="0"/>
-              </a:spcBef>
-              <a:spcAft>
-                <a:spcPts val="0"/>
-              </a:spcAft>
-              <a:buNone/>
-            </a:pPr>
-            <a:r>
-              <a:rPr lang="en" sz="1500" b="1" dirty="0" smtClean="0">
-                <a:solidFill>
-                  <a:srgbClr val="6792B0"/>
-                </a:solidFill>
-                <a:latin typeface="Montserrat"/>
-                <a:sym typeface="Montserrat"/>
-              </a:rPr>
-              <a:t>Customer Assistance</a:t>
-            </a:r>
-            <a:endParaRPr sz="700" dirty="0"/>
-          </a:p>
-        </p:txBody>
-      </p:sp>
-      <p:sp>
-        <p:nvSpPr>
-          <p:cNvPr id="236" name="Google Shape;236;p27"/>
-          <p:cNvSpPr txBox="1"/>
-          <p:nvPr/>
-        </p:nvSpPr>
-        <p:spPr>
-          <a:xfrm>
-            <a:off x="6495422" y="3865912"/>
-            <a:ext cx="2467200" cy="849463"/>
-          </a:xfrm>
-          <a:prstGeom prst="rect">
-            <a:avLst/>
-          </a:prstGeom>
-          <a:noFill/>
-          <a:ln>
-            <a:noFill/>
-          </a:ln>
-        </p:spPr>
-        <p:txBody>
-          <a:bodyPr spcFirstLastPara="1" wrap="square" lIns="0" tIns="0" rIns="0" bIns="0" anchor="t" anchorCtr="0">
-            <a:spAutoFit/>
-          </a:bodyPr>
-          <a:lstStyle/>
-          <a:p>
-            <a:pPr lvl="0">
-              <a:lnSpc>
-                <a:spcPct val="115000"/>
-              </a:lnSpc>
-            </a:pPr>
-            <a:r>
-              <a:rPr lang="en-US" sz="1600" b="1" spc="5" dirty="0" smtClean="0">
-                <a:solidFill>
-                  <a:schemeClr val="tx1"/>
-                </a:solidFill>
-                <a:latin typeface="Nunito Sans" panose="020B0604020202020204" charset="0"/>
-                <a:ea typeface="Calibri" panose="020F0502020204030204" pitchFamily="34" charset="0"/>
-              </a:rPr>
-              <a:t>Online </a:t>
-            </a:r>
-            <a:r>
-              <a:rPr lang="en-US" sz="1600" b="1" spc="5" dirty="0">
-                <a:solidFill>
-                  <a:schemeClr val="tx1"/>
-                </a:solidFill>
-                <a:latin typeface="Nunito Sans" panose="020B0604020202020204" charset="0"/>
-                <a:ea typeface="Calibri" panose="020F0502020204030204" pitchFamily="34" charset="0"/>
-              </a:rPr>
-              <a:t>hotel booking apps may lack customer support and </a:t>
-            </a:r>
-            <a:r>
-              <a:rPr lang="en-US" sz="1600" b="1" spc="5" dirty="0" smtClean="0">
-                <a:solidFill>
-                  <a:schemeClr val="tx1"/>
-                </a:solidFill>
-                <a:latin typeface="Nunito Sans" panose="020B0604020202020204" charset="0"/>
-                <a:ea typeface="Calibri" panose="020F0502020204030204" pitchFamily="34" charset="0"/>
-              </a:rPr>
-              <a:t>assistance.</a:t>
-            </a:r>
-            <a:endParaRPr b="1" dirty="0">
-              <a:solidFill>
-                <a:schemeClr val="tx1"/>
-              </a:solidFill>
-              <a:latin typeface="Nunito Sans" panose="020B0604020202020204" charset="0"/>
-            </a:endParaRPr>
-          </a:p>
-        </p:txBody>
-      </p:sp>
-      <p:sp>
-        <p:nvSpPr>
-          <p:cNvPr id="237" name="Google Shape;237;p27"/>
-          <p:cNvSpPr txBox="1"/>
-          <p:nvPr/>
-        </p:nvSpPr>
-        <p:spPr>
-          <a:xfrm>
-            <a:off x="6495505" y="2184569"/>
-            <a:ext cx="2467117" cy="757238"/>
-          </a:xfrm>
-          <a:prstGeom prst="rect">
-            <a:avLst/>
-          </a:prstGeom>
-          <a:noFill/>
-          <a:ln>
-            <a:noFill/>
-          </a:ln>
-        </p:spPr>
-        <p:txBody>
-          <a:bodyPr spcFirstLastPara="1" wrap="square" lIns="0" tIns="0" rIns="0" bIns="0" anchor="t" anchorCtr="0">
-            <a:spAutoFit/>
-          </a:bodyPr>
-          <a:lstStyle/>
-          <a:p>
-            <a:pPr marL="0" marR="0" lvl="0" indent="0" algn="l" rtl="0">
-              <a:lnSpc>
-                <a:spcPct val="120002"/>
-              </a:lnSpc>
-              <a:spcBef>
-                <a:spcPts val="0"/>
-              </a:spcBef>
-              <a:spcAft>
-                <a:spcPts val="0"/>
-              </a:spcAft>
-              <a:buNone/>
-            </a:pPr>
-            <a:r>
-              <a:rPr lang="en" sz="5000" b="1" i="0" u="none" strike="noStrike" cap="none" dirty="0">
-                <a:solidFill>
-                  <a:srgbClr val="6792B0"/>
-                </a:solidFill>
-                <a:latin typeface="Montserrat"/>
-                <a:ea typeface="Montserrat"/>
-                <a:cs typeface="Montserrat"/>
-                <a:sym typeface="Montserrat"/>
-              </a:rPr>
-              <a:t>03.</a:t>
-            </a:r>
-            <a:endParaRPr sz="700" dirty="0"/>
-          </a:p>
-        </p:txBody>
-      </p:sp>
-      <p:pic>
-        <p:nvPicPr>
-          <p:cNvPr id="2" name="Picture 1"/>
-          <p:cNvPicPr>
-            <a:picLocks noChangeAspect="1"/>
-          </p:cNvPicPr>
-          <p:nvPr/>
-        </p:nvPicPr>
-        <p:blipFill>
-          <a:blip r:embed="rId3"/>
-          <a:stretch>
-            <a:fillRect/>
-          </a:stretch>
-        </p:blipFill>
-        <p:spPr>
-          <a:xfrm>
-            <a:off x="148590" y="157031"/>
-            <a:ext cx="495095" cy="447311"/>
-          </a:xfrm>
-          <a:prstGeom prst="rect">
-            <a:avLst/>
-          </a:prstGeom>
-        </p:spPr>
-      </p:pic>
-    </p:spTree>
-  </p:cSld>
-  <p:clrMapOvr>
-    <a:masterClrMapping/>
-  </p:clrMapOvr>
-  <p:timing>
-    <p:tnLst>
-      <p:par>
-        <p:cTn id="1" dur="indefinite" restart="never" nodeType="tmRoot"/>
-      </p:par>
-    </p:tnLst>
-  </p:timing>
-</p:sld>
-</file>
-
 <file path=ppt/slides/slide5.xml><?xml version="1.0" encoding="utf-8"?>
 <p:sld xmlns:a="http://schemas.openxmlformats.org/drawingml/2006/main" xmlns:r="http://schemas.openxmlformats.org/officeDocument/2006/relationships" xmlns:p="http://schemas.openxmlformats.org/presentationml/2006/main">
   <p:cSld>
@@ -24705,13 +24535,6 @@
               </a:rPr>
               <a:t>End User</a:t>
             </a:r>
-            <a:endParaRPr lang="en" sz="4400" b="1" u="sng" dirty="0" smtClean="0">
-              <a:solidFill>
-                <a:schemeClr val="bg1"/>
-              </a:solidFill>
-              <a:latin typeface="Montserrat"/>
-              <a:sym typeface="Montserrat"/>
-            </a:endParaRPr>
           </a:p>
         </p:txBody>
       </p:sp>
